--- a/output/hymns/He-is-Exalted.pptx
+++ b/output/hymns/He-is-Exalted.pptx
@@ -503,7 +503,7 @@
           <a:lstStyle/>
           <a:p>
             <a:r>
-              <a:t>Verse </a:t>
+              <a:t>Verse</a:t>
             </a:r>
             <a:br/>
             <a:r>
@@ -3667,7 +3667,7 @@
               <a:defRPr sz="1200"/>
             </a:pPr>
             <a:r>
-              <a:t>Verse </a:t>
+              <a:t>Verse</a:t>
             </a:r>
             <a:br/>
             <a:r>
